--- a/deep-learning-in-practice-with-pytorch/5-transformers.pptx
+++ b/deep-learning-in-practice-with-pytorch/5-transformers.pptx
@@ -9,6 +9,7 @@
     <p:sldId id="258" r:id="rId3"/>
     <p:sldId id="260" r:id="rId4"/>
     <p:sldId id="259" r:id="rId5"/>
+    <p:sldId id="261" r:id="rId6"/>
   </p:sldIdLst>
   <p:sldSz cx="12192000" cy="6858000"/>
   <p:notesSz cx="6858000" cy="9144000"/>
@@ -2354,6 +2355,139 @@
 </p:sld>
 </file>
 
+<file path=ppt/slides/slide5.xml><?xml version="1.0" encoding="utf-8"?>
+<p:sld xmlns:a="http://schemas.openxmlformats.org/drawingml/2006/main" xmlns:r="http://schemas.openxmlformats.org/officeDocument/2006/relationships" xmlns:p="http://schemas.openxmlformats.org/presentationml/2006/main">
+  <p:cSld>
+    <p:spTree>
+      <p:nvGrpSpPr>
+        <p:cNvPr id="1" name=""/>
+        <p:cNvGrpSpPr/>
+        <p:nvPr/>
+      </p:nvGrpSpPr>
+      <p:grpSpPr>
+        <a:xfrm>
+          <a:off x="0" y="0"/>
+          <a:ext cx="0" cy="0"/>
+          <a:chOff x="0" y="0"/>
+          <a:chExt cx="0" cy="0"/>
+        </a:xfrm>
+      </p:grpSpPr>
+      <p:sp>
+        <p:nvSpPr>
+          <p:cNvPr id="2" name="Titre 1">
+            <a:extLst>
+              <a:ext uri="{FF2B5EF4-FFF2-40B4-BE49-F238E27FC236}">
+                <a16:creationId xmlns:a16="http://schemas.microsoft.com/office/drawing/2014/main" id="{43FC1C2C-1E47-481A-A67C-15074754AAE2}"/>
+              </a:ext>
+            </a:extLst>
+          </p:cNvPr>
+          <p:cNvSpPr>
+            <a:spLocks noGrp="1"/>
+          </p:cNvSpPr>
+          <p:nvPr>
+            <p:ph type="title"/>
+          </p:nvPr>
+        </p:nvSpPr>
+        <p:spPr/>
+        <p:txBody>
+          <a:bodyPr/>
+          <a:lstStyle/>
+          <a:p>
+            <a:r>
+              <a:rPr lang="en-US" dirty="0"/>
+              <a:t>Vocabulary</a:t>
+            </a:r>
+          </a:p>
+        </p:txBody>
+      </p:sp>
+      <p:sp>
+        <p:nvSpPr>
+          <p:cNvPr id="3" name="Espace réservé du texte 2">
+            <a:extLst>
+              <a:ext uri="{FF2B5EF4-FFF2-40B4-BE49-F238E27FC236}">
+                <a16:creationId xmlns:a16="http://schemas.microsoft.com/office/drawing/2014/main" id="{5B14E2DF-E80B-4711-9943-4B6D1D57CE52}"/>
+              </a:ext>
+            </a:extLst>
+          </p:cNvPr>
+          <p:cNvSpPr>
+            <a:spLocks noGrp="1"/>
+          </p:cNvSpPr>
+          <p:nvPr>
+            <p:ph type="body" sz="quarter" idx="10"/>
+          </p:nvPr>
+        </p:nvSpPr>
+        <p:spPr/>
+        <p:txBody>
+          <a:bodyPr/>
+          <a:lstStyle/>
+          <a:p>
+            <a:r>
+              <a:rPr lang="en-US" dirty="0"/>
+              <a:t>Vocabulary: </a:t>
+            </a:r>
+            <a:r>
+              <a:rPr lang="en-US" b="1" dirty="0"/>
+              <a:t>limited set</a:t>
+            </a:r>
+            <a:r>
+              <a:rPr lang="en-US" dirty="0"/>
+              <a:t> of </a:t>
+            </a:r>
+            <a:r>
+              <a:rPr lang="en-US" b="1" dirty="0"/>
+              <a:t>discrete items</a:t>
+            </a:r>
+          </a:p>
+          <a:p>
+            <a:pPr lvl="1"/>
+            <a:r>
+              <a:rPr lang="en-US" dirty="0"/>
+              <a:t>For example: all words* in the English language</a:t>
+            </a:r>
+          </a:p>
+          <a:p>
+            <a:pPr lvl="1"/>
+            <a:r>
+              <a:rPr lang="en-US" dirty="0"/>
+              <a:t>Vocabulary is used for both </a:t>
+            </a:r>
+            <a:r>
+              <a:rPr lang="en-US" b="1" dirty="0"/>
+              <a:t>inputs</a:t>
+            </a:r>
+            <a:r>
+              <a:rPr lang="en-US" dirty="0"/>
+              <a:t> and </a:t>
+            </a:r>
+            <a:r>
+              <a:rPr lang="en-US" b="1" dirty="0"/>
+              <a:t>outputs</a:t>
+            </a:r>
+          </a:p>
+          <a:p>
+            <a:endParaRPr lang="en-US" dirty="0"/>
+          </a:p>
+          <a:p>
+            <a:r>
+              <a:rPr lang="en-US" dirty="0"/>
+              <a:t>What is the vocabulary of a Transformer generating text?</a:t>
+            </a:r>
+          </a:p>
+        </p:txBody>
+      </p:sp>
+    </p:spTree>
+    <p:extLst>
+      <p:ext uri="{BB962C8B-B14F-4D97-AF65-F5344CB8AC3E}">
+        <p14:creationId xmlns:p14="http://schemas.microsoft.com/office/powerpoint/2010/main" val="2101635078"/>
+      </p:ext>
+    </p:extLst>
+  </p:cSld>
+  <p:clrMapOvr>
+    <a:masterClrMapping/>
+  </p:clrMapOvr>
+</p:sld>
+</file>
+
 <file path=ppt/theme/theme1.xml><?xml version="1.0" encoding="utf-8"?>
 <a:theme xmlns:a="http://schemas.openxmlformats.org/drawingml/2006/main" name="Thème Office">
   <a:themeElements>

--- a/deep-learning-in-practice-with-pytorch/5-transformers.pptx
+++ b/deep-learning-in-practice-with-pytorch/5-transformers.pptx
@@ -7,9 +7,14 @@
   <p:sldIdLst>
     <p:sldId id="257" r:id="rId2"/>
     <p:sldId id="258" r:id="rId3"/>
-    <p:sldId id="260" r:id="rId4"/>
-    <p:sldId id="259" r:id="rId5"/>
-    <p:sldId id="261" r:id="rId6"/>
+    <p:sldId id="265" r:id="rId4"/>
+    <p:sldId id="262" r:id="rId5"/>
+    <p:sldId id="263" r:id="rId6"/>
+    <p:sldId id="264" r:id="rId7"/>
+    <p:sldId id="260" r:id="rId8"/>
+    <p:sldId id="259" r:id="rId9"/>
+    <p:sldId id="261" r:id="rId10"/>
+    <p:sldId id="266" r:id="rId11"/>
   </p:sldIdLst>
   <p:sldSz cx="12192000" cy="6858000"/>
   <p:notesSz cx="6858000" cy="9144000"/>
@@ -1398,16 +1403,7 @@
                 </a:solidFill>
                 <a:latin typeface="+mn-lt"/>
               </a:rPr>
-              <a:t>TITLE OF THE PRESENTATION HERE (MODIFY IN VIEW -&gt; MASK</a:t>
-            </a:r>
-            <a:r>
-              <a:rPr lang="it-IT" sz="1000" baseline="0" dirty="0">
-                <a:solidFill>
-                  <a:srgbClr val="275662"/>
-                </a:solidFill>
-                <a:latin typeface="+mn-lt"/>
-              </a:rPr>
-              <a:t> / AFFICHAGE -&gt; MASQUE DE DIAPOSITIVES) </a:t>
+              <a:t>TRANSFORMERS</a:t>
             </a:r>
             <a:endParaRPr lang="fr-FR" sz="1000" dirty="0">
               <a:solidFill>
@@ -1825,10 +1821,10 @@
           <a:lstStyle/>
           <a:p>
             <a:r>
-              <a:rPr lang="it-IT" dirty="0"/>
-              <a:t>This is an example of a title, it should be bigger!</a:t>
-            </a:r>
-            <a:endParaRPr lang="fr-FR" dirty="0"/>
+              <a:rPr lang="it-IT" sz="8800" dirty="0"/>
+              <a:t>Transformers</a:t>
+            </a:r>
+            <a:endParaRPr lang="fr-FR" sz="8800" dirty="0"/>
           </a:p>
         </p:txBody>
       </p:sp>
@@ -1897,6 +1893,89 @@
     <p:extLst>
       <p:ext uri="{BB962C8B-B14F-4D97-AF65-F5344CB8AC3E}">
         <p14:creationId xmlns:p14="http://schemas.microsoft.com/office/powerpoint/2010/main" val="1056445254"/>
+      </p:ext>
+    </p:extLst>
+  </p:cSld>
+  <p:clrMapOvr>
+    <a:masterClrMapping/>
+  </p:clrMapOvr>
+</p:sld>
+</file>
+
+<file path=ppt/slides/slide10.xml><?xml version="1.0" encoding="utf-8"?>
+<p:sld xmlns:a="http://schemas.openxmlformats.org/drawingml/2006/main" xmlns:r="http://schemas.openxmlformats.org/officeDocument/2006/relationships" xmlns:p="http://schemas.openxmlformats.org/presentationml/2006/main">
+  <p:cSld>
+    <p:spTree>
+      <p:nvGrpSpPr>
+        <p:cNvPr id="1" name=""/>
+        <p:cNvGrpSpPr/>
+        <p:nvPr/>
+      </p:nvGrpSpPr>
+      <p:grpSpPr>
+        <a:xfrm>
+          <a:off x="0" y="0"/>
+          <a:ext cx="0" cy="0"/>
+          <a:chOff x="0" y="0"/>
+          <a:chExt cx="0" cy="0"/>
+        </a:xfrm>
+      </p:grpSpPr>
+      <p:sp>
+        <p:nvSpPr>
+          <p:cNvPr id="2" name="Titre 1">
+            <a:extLst>
+              <a:ext uri="{FF2B5EF4-FFF2-40B4-BE49-F238E27FC236}">
+                <a16:creationId xmlns:a16="http://schemas.microsoft.com/office/drawing/2014/main" id="{1C063FAD-C598-4395-B753-D3EC6940CA18}"/>
+              </a:ext>
+            </a:extLst>
+          </p:cNvPr>
+          <p:cNvSpPr>
+            <a:spLocks noGrp="1"/>
+          </p:cNvSpPr>
+          <p:nvPr>
+            <p:ph type="title"/>
+          </p:nvPr>
+        </p:nvSpPr>
+        <p:spPr/>
+        <p:txBody>
+          <a:bodyPr/>
+          <a:lstStyle/>
+          <a:p>
+            <a:r>
+              <a:rPr lang="en-US" dirty="0"/>
+              <a:t>Visual Transformers?</a:t>
+            </a:r>
+          </a:p>
+        </p:txBody>
+      </p:sp>
+      <p:sp>
+        <p:nvSpPr>
+          <p:cNvPr id="3" name="Espace réservé du texte 2">
+            <a:extLst>
+              <a:ext uri="{FF2B5EF4-FFF2-40B4-BE49-F238E27FC236}">
+                <a16:creationId xmlns:a16="http://schemas.microsoft.com/office/drawing/2014/main" id="{66CAEE65-9A9C-4157-93D0-C8A1FB8B4A70}"/>
+              </a:ext>
+            </a:extLst>
+          </p:cNvPr>
+          <p:cNvSpPr>
+            <a:spLocks noGrp="1"/>
+          </p:cNvSpPr>
+          <p:nvPr>
+            <p:ph type="body" sz="quarter" idx="10"/>
+          </p:nvPr>
+        </p:nvSpPr>
+        <p:spPr/>
+        <p:txBody>
+          <a:bodyPr/>
+          <a:lstStyle/>
+          <a:p>
+            <a:endParaRPr lang="en-US"/>
+          </a:p>
+        </p:txBody>
+      </p:sp>
+    </p:spTree>
+    <p:extLst>
+      <p:ext uri="{BB962C8B-B14F-4D97-AF65-F5344CB8AC3E}">
+        <p14:creationId xmlns:p14="http://schemas.microsoft.com/office/powerpoint/2010/main" val="1731991728"/>
       </p:ext>
     </p:extLst>
   </p:cSld>
@@ -2014,7 +2093,7 @@
           <p:cNvPr id="2" name="Titre 1">
             <a:extLst>
               <a:ext uri="{FF2B5EF4-FFF2-40B4-BE49-F238E27FC236}">
-                <a16:creationId xmlns:a16="http://schemas.microsoft.com/office/drawing/2014/main" id="{4A80CEEE-2324-4E29-9F1F-6C507B12A795}"/>
+                <a16:creationId xmlns:a16="http://schemas.microsoft.com/office/drawing/2014/main" id="{A20EF16E-3AD5-4061-AC89-730EF3273B0C}"/>
               </a:ext>
             </a:extLst>
           </p:cNvPr>
@@ -2032,7 +2111,7 @@
           <a:p>
             <a:r>
               <a:rPr lang="en-US" dirty="0"/>
-              <a:t>Reference(s)</a:t>
+              <a:t>Transformers?</a:t>
             </a:r>
           </a:p>
         </p:txBody>
@@ -2042,7 +2121,7 @@
           <p:cNvPr id="3" name="Espace réservé du texte 2">
             <a:extLst>
               <a:ext uri="{FF2B5EF4-FFF2-40B4-BE49-F238E27FC236}">
-                <a16:creationId xmlns:a16="http://schemas.microsoft.com/office/drawing/2014/main" id="{09D8ACE7-E797-4525-82AC-3B0FFB4AD677}"/>
+                <a16:creationId xmlns:a16="http://schemas.microsoft.com/office/drawing/2014/main" id="{00763A37-E7D5-40F4-9900-45D7EEBB4D2F}"/>
               </a:ext>
             </a:extLst>
           </p:cNvPr>
@@ -2058,56 +2137,142 @@
           <a:bodyPr/>
           <a:lstStyle/>
           <a:p>
-            <a:pPr marL="0" indent="0" algn="ctr">
-              <a:buNone/>
-            </a:pPr>
-            <a:r>
-              <a:rPr lang="en-US" dirty="0">
-                <a:hlinkClick r:id="rId2"/>
-              </a:rPr>
-              <a:t>https://jaykmody.com/blog/gpt-from-scratch</a:t>
-            </a:r>
             <a:r>
               <a:rPr lang="en-US" dirty="0"/>
-              <a:t> </a:t>
+              <a:t>Transformer architecture took AI by storm</a:t>
+            </a:r>
+          </a:p>
+          <a:p>
+            <a:pPr lvl="1"/>
+            <a:r>
+              <a:rPr lang="en-US" dirty="0"/>
+              <a:t>Never-before-seen performances</a:t>
+            </a:r>
+          </a:p>
+          <a:p>
+            <a:pPr lvl="1"/>
+            <a:r>
+              <a:rPr lang="en-US" dirty="0"/>
+              <a:t>It just works, for a lot of different applications</a:t>
+            </a:r>
+          </a:p>
+          <a:p>
+            <a:pPr lvl="1"/>
+            <a:r>
+              <a:rPr lang="en-US" dirty="0"/>
+              <a:t>Killer application: text generation</a:t>
+            </a:r>
+          </a:p>
+          <a:p>
+            <a:r>
+              <a:rPr lang="en-US" dirty="0"/>
+              <a:t>If the 2010s have been decade of CNNs…</a:t>
+            </a:r>
+          </a:p>
+          <a:p>
+            <a:r>
+              <a:rPr lang="en-US" dirty="0"/>
+              <a:t>...early 2020s are the years of Transformers</a:t>
             </a:r>
           </a:p>
         </p:txBody>
       </p:sp>
       <p:pic>
         <p:nvPicPr>
-          <p:cNvPr id="7" name="Image 6">
-            <a:extLst>
-              <a:ext uri="{FF2B5EF4-FFF2-40B4-BE49-F238E27FC236}">
-                <a16:creationId xmlns:a16="http://schemas.microsoft.com/office/drawing/2014/main" id="{F00684E0-3CD3-4ABF-9CA3-BE30F331E6C3}"/>
+          <p:cNvPr id="4098" name="Picture 2" descr="The Transformers (TV Series 1984–1987) - IMDb">
+            <a:extLst>
+              <a:ext uri="{FF2B5EF4-FFF2-40B4-BE49-F238E27FC236}">
+                <a16:creationId xmlns:a16="http://schemas.microsoft.com/office/drawing/2014/main" id="{02D20428-D941-4C1D-86AF-2AE09E5B9AD7}"/>
               </a:ext>
             </a:extLst>
           </p:cNvPr>
           <p:cNvPicPr>
-            <a:picLocks noChangeAspect="1"/>
+            <a:picLocks noChangeAspect="1" noChangeArrowheads="1"/>
           </p:cNvPicPr>
           <p:nvPr/>
         </p:nvPicPr>
         <p:blipFill>
-          <a:blip r:embed="rId3"/>
+          <a:blip r:embed="rId2" cstate="print">
+            <a:extLst>
+              <a:ext uri="{28A0092B-C50C-407E-A947-70E740481C1C}">
+                <a14:useLocalDpi xmlns:a14="http://schemas.microsoft.com/office/drawing/2010/main" val="0"/>
+              </a:ext>
+            </a:extLst>
+          </a:blip>
+          <a:srcRect/>
           <a:stretch>
             <a:fillRect/>
           </a:stretch>
         </p:blipFill>
-        <p:spPr>
-          <a:xfrm>
-            <a:off x="2599837" y="2379948"/>
-            <a:ext cx="6992326" cy="2762636"/>
+        <p:spPr bwMode="auto">
+          <a:xfrm>
+            <a:off x="9013277" y="1251272"/>
+            <a:ext cx="2674190" cy="4011285"/>
           </a:xfrm>
           <a:prstGeom prst="rect">
             <a:avLst/>
           </a:prstGeom>
+          <a:noFill/>
+          <a:extLst>
+            <a:ext uri="{909E8E84-426E-40DD-AFC4-6F175D3DCCD1}">
+              <a14:hiddenFill xmlns:a14="http://schemas.microsoft.com/office/drawing/2010/main">
+                <a:solidFill>
+                  <a:srgbClr val="FFFFFF"/>
+                </a:solidFill>
+              </a14:hiddenFill>
+            </a:ext>
+          </a:extLst>
+        </p:spPr>
+      </p:pic>
+      <p:pic>
+        <p:nvPicPr>
+          <p:cNvPr id="4100" name="Picture 4" descr="Transformers — Wikipédia">
+            <a:extLst>
+              <a:ext uri="{FF2B5EF4-FFF2-40B4-BE49-F238E27FC236}">
+                <a16:creationId xmlns:a16="http://schemas.microsoft.com/office/drawing/2014/main" id="{56ECE82B-F762-4BF4-8C6B-7D4F748F0895}"/>
+              </a:ext>
+            </a:extLst>
+          </p:cNvPr>
+          <p:cNvPicPr>
+            <a:picLocks noChangeAspect="1" noChangeArrowheads="1"/>
+          </p:cNvPicPr>
+          <p:nvPr/>
+        </p:nvPicPr>
+        <p:blipFill rotWithShape="1">
+          <a:blip r:embed="rId3" cstate="print">
+            <a:extLst>
+              <a:ext uri="{28A0092B-C50C-407E-A947-70E740481C1C}">
+                <a14:useLocalDpi xmlns:a14="http://schemas.microsoft.com/office/drawing/2010/main" val="0"/>
+              </a:ext>
+            </a:extLst>
+          </a:blip>
+          <a:srcRect r="52520"/>
+          <a:stretch/>
+        </p:blipFill>
+        <p:spPr bwMode="auto">
+          <a:xfrm>
+            <a:off x="10787141" y="3770720"/>
+            <a:ext cx="1133317" cy="2983673"/>
+          </a:xfrm>
+          <a:prstGeom prst="rect">
+            <a:avLst/>
+          </a:prstGeom>
+          <a:noFill/>
+          <a:extLst>
+            <a:ext uri="{909E8E84-426E-40DD-AFC4-6F175D3DCCD1}">
+              <a14:hiddenFill xmlns:a14="http://schemas.microsoft.com/office/drawing/2010/main">
+                <a:solidFill>
+                  <a:srgbClr val="FFFFFF"/>
+                </a:solidFill>
+              </a14:hiddenFill>
+            </a:ext>
+          </a:extLst>
         </p:spPr>
       </p:pic>
     </p:spTree>
     <p:extLst>
       <p:ext uri="{BB962C8B-B14F-4D97-AF65-F5344CB8AC3E}">
-        <p14:creationId xmlns:p14="http://schemas.microsoft.com/office/powerpoint/2010/main" val="3197142342"/>
+        <p14:creationId xmlns:p14="http://schemas.microsoft.com/office/powerpoint/2010/main" val="1799985371"/>
       </p:ext>
     </p:extLst>
   </p:cSld>
@@ -2139,7 +2304,7 @@
           <p:cNvPr id="2" name="Titre 1">
             <a:extLst>
               <a:ext uri="{FF2B5EF4-FFF2-40B4-BE49-F238E27FC236}">
-                <a16:creationId xmlns:a16="http://schemas.microsoft.com/office/drawing/2014/main" id="{53915AAB-32EC-4D2B-ABDD-67AAE0766A48}"/>
+                <a16:creationId xmlns:a16="http://schemas.microsoft.com/office/drawing/2014/main" id="{D2CAE1FF-DE09-497A-95FA-764F22A24347}"/>
               </a:ext>
             </a:extLst>
           </p:cNvPr>
@@ -2157,7 +2322,7 @@
           <a:p>
             <a:r>
               <a:rPr lang="en-US" dirty="0"/>
-              <a:t>GPT</a:t>
+              <a:t>Attention Is All You Need</a:t>
             </a:r>
           </a:p>
         </p:txBody>
@@ -2167,7 +2332,7 @@
           <p:cNvPr id="3" name="Espace réservé du texte 2">
             <a:extLst>
               <a:ext uri="{FF2B5EF4-FFF2-40B4-BE49-F238E27FC236}">
-                <a16:creationId xmlns:a16="http://schemas.microsoft.com/office/drawing/2014/main" id="{C3872E15-97A6-44AE-A46D-80A0001FE2C1}"/>
+                <a16:creationId xmlns:a16="http://schemas.microsoft.com/office/drawing/2014/main" id="{8615FDC7-616F-4AF2-BAB1-3FD738D7FD0D}"/>
               </a:ext>
             </a:extLst>
           </p:cNvPr>
@@ -2183,169 +2348,61 @@
           <a:bodyPr/>
           <a:lstStyle/>
           <a:p>
-            <a:pPr algn="l">
-              <a:buFont typeface="Arial" panose="020B0604020202020204" pitchFamily="34" charset="0"/>
-              <a:buChar char="•"/>
-            </a:pPr>
-            <a:r>
-              <a:rPr lang="en-US" b="1" i="0" dirty="0">
-                <a:solidFill>
-                  <a:srgbClr val="2E3440"/>
-                </a:solidFill>
-                <a:effectLst/>
-                <a:latin typeface="-apple-system"/>
-              </a:rPr>
-              <a:t>Generative</a:t>
-            </a:r>
-            <a:r>
-              <a:rPr lang="en-US" b="0" i="0" dirty="0">
-                <a:solidFill>
-                  <a:srgbClr val="2E3440"/>
-                </a:solidFill>
-                <a:effectLst/>
-                <a:latin typeface="-apple-system"/>
-              </a:rPr>
-              <a:t>: A GPT </a:t>
-            </a:r>
-            <a:r>
-              <a:rPr lang="en-US" b="0" i="1" dirty="0">
-                <a:solidFill>
-                  <a:srgbClr val="2E3440"/>
-                </a:solidFill>
-                <a:effectLst/>
-                <a:latin typeface="-apple-system"/>
-              </a:rPr>
-              <a:t>generates</a:t>
-            </a:r>
-            <a:r>
-              <a:rPr lang="en-US" b="0" i="0" dirty="0">
-                <a:solidFill>
-                  <a:srgbClr val="2E3440"/>
-                </a:solidFill>
-                <a:effectLst/>
-                <a:latin typeface="-apple-system"/>
-              </a:rPr>
-              <a:t> text.</a:t>
-            </a:r>
-          </a:p>
-          <a:p>
-            <a:pPr algn="l">
-              <a:buFont typeface="Arial" panose="020B0604020202020204" pitchFamily="34" charset="0"/>
-              <a:buChar char="•"/>
-            </a:pPr>
-            <a:r>
-              <a:rPr lang="en-US" b="1" i="0" dirty="0">
-                <a:solidFill>
-                  <a:srgbClr val="2E3440"/>
-                </a:solidFill>
-                <a:effectLst/>
-                <a:latin typeface="-apple-system"/>
-              </a:rPr>
-              <a:t>Pre-trained</a:t>
-            </a:r>
-            <a:r>
-              <a:rPr lang="en-US" b="0" i="0" dirty="0">
-                <a:solidFill>
-                  <a:srgbClr val="2E3440"/>
-                </a:solidFill>
-                <a:effectLst/>
-                <a:latin typeface="-apple-system"/>
-              </a:rPr>
-              <a:t>: A GPT is </a:t>
-            </a:r>
-            <a:r>
-              <a:rPr lang="en-US" b="0" i="1" dirty="0">
-                <a:solidFill>
-                  <a:srgbClr val="2E3440"/>
-                </a:solidFill>
-                <a:effectLst/>
-                <a:latin typeface="-apple-system"/>
-              </a:rPr>
-              <a:t>trained</a:t>
-            </a:r>
-            <a:r>
-              <a:rPr lang="en-US" b="0" i="0" dirty="0">
-                <a:solidFill>
-                  <a:srgbClr val="2E3440"/>
-                </a:solidFill>
-                <a:effectLst/>
-                <a:latin typeface="-apple-system"/>
-              </a:rPr>
-              <a:t> on lots of text from books, the internet, </a:t>
-            </a:r>
-            <a:r>
-              <a:rPr lang="en-US" b="0" i="0" dirty="0" err="1">
-                <a:solidFill>
-                  <a:srgbClr val="2E3440"/>
-                </a:solidFill>
-                <a:effectLst/>
-                <a:latin typeface="-apple-system"/>
-              </a:rPr>
-              <a:t>etc</a:t>
-            </a:r>
-            <a:r>
-              <a:rPr lang="en-US" b="0" i="0" dirty="0">
-                <a:solidFill>
-                  <a:srgbClr val="2E3440"/>
-                </a:solidFill>
-                <a:effectLst/>
-                <a:latin typeface="-apple-system"/>
-              </a:rPr>
-              <a:t> ...</a:t>
-            </a:r>
-          </a:p>
-          <a:p>
-            <a:pPr algn="l">
-              <a:buFont typeface="Arial" panose="020B0604020202020204" pitchFamily="34" charset="0"/>
-              <a:buChar char="•"/>
-            </a:pPr>
-            <a:r>
-              <a:rPr lang="en-US" b="1" i="0" dirty="0">
-                <a:solidFill>
-                  <a:srgbClr val="2E3440"/>
-                </a:solidFill>
-                <a:effectLst/>
-                <a:latin typeface="-apple-system"/>
-              </a:rPr>
-              <a:t>Transformer</a:t>
-            </a:r>
-            <a:r>
-              <a:rPr lang="en-US" b="0" i="0" dirty="0">
-                <a:solidFill>
-                  <a:srgbClr val="2E3440"/>
-                </a:solidFill>
-                <a:effectLst/>
-                <a:latin typeface="-apple-system"/>
-              </a:rPr>
-              <a:t>: A GPT is a decoder-only </a:t>
-            </a:r>
-            <a:r>
-              <a:rPr lang="en-US" b="0" i="1" dirty="0">
-                <a:solidFill>
-                  <a:srgbClr val="2E3440"/>
-                </a:solidFill>
-                <a:effectLst/>
-                <a:latin typeface="-apple-system"/>
-              </a:rPr>
-              <a:t>transformer</a:t>
-            </a:r>
-            <a:r>
-              <a:rPr lang="en-US" b="0" i="0" dirty="0">
-                <a:solidFill>
-                  <a:srgbClr val="2E3440"/>
-                </a:solidFill>
-                <a:effectLst/>
-                <a:latin typeface="-apple-system"/>
-              </a:rPr>
-              <a:t> neural network.</a:t>
-            </a:r>
+            <a:endParaRPr lang="en-US"/>
           </a:p>
         </p:txBody>
       </p:sp>
+      <p:pic>
+        <p:nvPicPr>
+          <p:cNvPr id="1028" name="Picture 4" descr="Image">
+            <a:extLst>
+              <a:ext uri="{FF2B5EF4-FFF2-40B4-BE49-F238E27FC236}">
+                <a16:creationId xmlns:a16="http://schemas.microsoft.com/office/drawing/2014/main" id="{053D4179-DAFE-472A-978E-878D3053C6F3}"/>
+              </a:ext>
+            </a:extLst>
+          </p:cNvPr>
+          <p:cNvPicPr>
+            <a:picLocks noChangeAspect="1" noChangeArrowheads="1"/>
+          </p:cNvPicPr>
+          <p:nvPr/>
+        </p:nvPicPr>
+        <p:blipFill>
+          <a:blip r:embed="rId2">
+            <a:extLst>
+              <a:ext uri="{28A0092B-C50C-407E-A947-70E740481C1C}">
+                <a14:useLocalDpi xmlns:a14="http://schemas.microsoft.com/office/drawing/2010/main" val="0"/>
+              </a:ext>
+            </a:extLst>
+          </a:blip>
+          <a:srcRect/>
+          <a:stretch>
+            <a:fillRect/>
+          </a:stretch>
+        </p:blipFill>
+        <p:spPr bwMode="auto">
+          <a:xfrm>
+            <a:off x="1963271" y="1492904"/>
+            <a:ext cx="8265458" cy="4606271"/>
+          </a:xfrm>
+          <a:prstGeom prst="rect">
+            <a:avLst/>
+          </a:prstGeom>
+          <a:noFill/>
+          <a:extLst>
+            <a:ext uri="{909E8E84-426E-40DD-AFC4-6F175D3DCCD1}">
+              <a14:hiddenFill xmlns:a14="http://schemas.microsoft.com/office/drawing/2010/main">
+                <a:solidFill>
+                  <a:srgbClr val="FFFFFF"/>
+                </a:solidFill>
+              </a14:hiddenFill>
+            </a:ext>
+          </a:extLst>
+        </p:spPr>
+      </p:pic>
     </p:spTree>
     <p:extLst>
       <p:ext uri="{BB962C8B-B14F-4D97-AF65-F5344CB8AC3E}">
-        <p14:creationId xmlns:p14="http://schemas.microsoft.com/office/powerpoint/2010/main" val="1574720215"/>
+        <p14:creationId xmlns:p14="http://schemas.microsoft.com/office/powerpoint/2010/main" val="413832706"/>
       </p:ext>
     </p:extLst>
   </p:cSld>
@@ -2377,7 +2434,7 @@
           <p:cNvPr id="2" name="Titre 1">
             <a:extLst>
               <a:ext uri="{FF2B5EF4-FFF2-40B4-BE49-F238E27FC236}">
-                <a16:creationId xmlns:a16="http://schemas.microsoft.com/office/drawing/2014/main" id="{43FC1C2C-1E47-481A-A67C-15074754AAE2}"/>
+                <a16:creationId xmlns:a16="http://schemas.microsoft.com/office/drawing/2014/main" id="{D2CAE1FF-DE09-497A-95FA-764F22A24347}"/>
               </a:ext>
             </a:extLst>
           </p:cNvPr>
@@ -2395,7 +2452,7 @@
           <a:p>
             <a:r>
               <a:rPr lang="en-US" dirty="0"/>
-              <a:t>Vocabulary</a:t>
+              <a:t>Attention Is All You Need</a:t>
             </a:r>
           </a:p>
         </p:txBody>
@@ -2405,7 +2462,7 @@
           <p:cNvPr id="3" name="Espace réservé du texte 2">
             <a:extLst>
               <a:ext uri="{FF2B5EF4-FFF2-40B4-BE49-F238E27FC236}">
-                <a16:creationId xmlns:a16="http://schemas.microsoft.com/office/drawing/2014/main" id="{5B14E2DF-E80B-4711-9943-4B6D1D57CE52}"/>
+                <a16:creationId xmlns:a16="http://schemas.microsoft.com/office/drawing/2014/main" id="{8615FDC7-616F-4AF2-BAB1-3FD738D7FD0D}"/>
               </a:ext>
             </a:extLst>
           </p:cNvPr>
@@ -2421,6 +2478,818 @@
           <a:bodyPr/>
           <a:lstStyle/>
           <a:p>
+            <a:endParaRPr lang="en-US"/>
+          </a:p>
+        </p:txBody>
+      </p:sp>
+      <p:pic>
+        <p:nvPicPr>
+          <p:cNvPr id="1028" name="Picture 4" descr="Image">
+            <a:extLst>
+              <a:ext uri="{FF2B5EF4-FFF2-40B4-BE49-F238E27FC236}">
+                <a16:creationId xmlns:a16="http://schemas.microsoft.com/office/drawing/2014/main" id="{053D4179-DAFE-472A-978E-878D3053C6F3}"/>
+              </a:ext>
+            </a:extLst>
+          </p:cNvPr>
+          <p:cNvPicPr>
+            <a:picLocks noChangeAspect="1" noChangeArrowheads="1"/>
+          </p:cNvPicPr>
+          <p:nvPr/>
+        </p:nvPicPr>
+        <p:blipFill>
+          <a:blip r:embed="rId2">
+            <a:extLst>
+              <a:ext uri="{28A0092B-C50C-407E-A947-70E740481C1C}">
+                <a14:useLocalDpi xmlns:a14="http://schemas.microsoft.com/office/drawing/2010/main" val="0"/>
+              </a:ext>
+            </a:extLst>
+          </a:blip>
+          <a:srcRect/>
+          <a:stretch>
+            <a:fillRect/>
+          </a:stretch>
+        </p:blipFill>
+        <p:spPr bwMode="auto">
+          <a:xfrm>
+            <a:off x="1963271" y="1492904"/>
+            <a:ext cx="8265458" cy="4606271"/>
+          </a:xfrm>
+          <a:prstGeom prst="rect">
+            <a:avLst/>
+          </a:prstGeom>
+          <a:noFill/>
+          <a:extLst>
+            <a:ext uri="{909E8E84-426E-40DD-AFC4-6F175D3DCCD1}">
+              <a14:hiddenFill xmlns:a14="http://schemas.microsoft.com/office/drawing/2010/main">
+                <a:solidFill>
+                  <a:srgbClr val="FFFFFF"/>
+                </a:solidFill>
+              </a14:hiddenFill>
+            </a:ext>
+          </a:extLst>
+        </p:spPr>
+      </p:pic>
+      <p:pic>
+        <p:nvPicPr>
+          <p:cNvPr id="5" name="Image 4">
+            <a:extLst>
+              <a:ext uri="{FF2B5EF4-FFF2-40B4-BE49-F238E27FC236}">
+                <a16:creationId xmlns:a16="http://schemas.microsoft.com/office/drawing/2014/main" id="{53AC149E-4EE7-43AF-807E-E7D5CC0769C5}"/>
+              </a:ext>
+            </a:extLst>
+          </p:cNvPr>
+          <p:cNvPicPr>
+            <a:picLocks noChangeAspect="1"/>
+          </p:cNvPicPr>
+          <p:nvPr/>
+        </p:nvPicPr>
+        <p:blipFill>
+          <a:blip r:embed="rId3"/>
+          <a:stretch>
+            <a:fillRect/>
+          </a:stretch>
+        </p:blipFill>
+        <p:spPr>
+          <a:xfrm>
+            <a:off x="838200" y="1303124"/>
+            <a:ext cx="9916909" cy="1467055"/>
+          </a:xfrm>
+          <a:prstGeom prst="rect">
+            <a:avLst/>
+          </a:prstGeom>
+        </p:spPr>
+      </p:pic>
+      <p:sp>
+        <p:nvSpPr>
+          <p:cNvPr id="6" name="Ellipse 5">
+            <a:extLst>
+              <a:ext uri="{FF2B5EF4-FFF2-40B4-BE49-F238E27FC236}">
+                <a16:creationId xmlns:a16="http://schemas.microsoft.com/office/drawing/2014/main" id="{FBFBB0AC-19D1-400C-930B-62221304C9C2}"/>
+              </a:ext>
+            </a:extLst>
+          </p:cNvPr>
+          <p:cNvSpPr/>
+          <p:nvPr/>
+        </p:nvSpPr>
+        <p:spPr>
+          <a:xfrm>
+            <a:off x="2347274" y="2196445"/>
+            <a:ext cx="1508289" cy="693968"/>
+          </a:xfrm>
+          <a:prstGeom prst="ellipse">
+            <a:avLst/>
+          </a:prstGeom>
+          <a:noFill/>
+          <a:ln w="28575">
+            <a:solidFill>
+              <a:srgbClr val="FF0000"/>
+            </a:solidFill>
+          </a:ln>
+        </p:spPr>
+        <p:style>
+          <a:lnRef idx="2">
+            <a:schemeClr val="accent1">
+              <a:shade val="50000"/>
+            </a:schemeClr>
+          </a:lnRef>
+          <a:fillRef idx="1">
+            <a:schemeClr val="accent1"/>
+          </a:fillRef>
+          <a:effectRef idx="0">
+            <a:schemeClr val="accent1"/>
+          </a:effectRef>
+          <a:fontRef idx="minor">
+            <a:schemeClr val="lt1"/>
+          </a:fontRef>
+        </p:style>
+        <p:txBody>
+          <a:bodyPr rtlCol="0" anchor="ctr"/>
+          <a:lstStyle/>
+          <a:p>
+            <a:pPr algn="ctr"/>
+            <a:endParaRPr lang="en-US"/>
+          </a:p>
+        </p:txBody>
+      </p:sp>
+    </p:spTree>
+    <p:extLst>
+      <p:ext uri="{BB962C8B-B14F-4D97-AF65-F5344CB8AC3E}">
+        <p14:creationId xmlns:p14="http://schemas.microsoft.com/office/powerpoint/2010/main" val="3526983455"/>
+      </p:ext>
+    </p:extLst>
+  </p:cSld>
+  <p:clrMapOvr>
+    <a:masterClrMapping/>
+  </p:clrMapOvr>
+</p:sld>
+</file>
+
+<file path=ppt/slides/slide6.xml><?xml version="1.0" encoding="utf-8"?>
+<p:sld xmlns:a="http://schemas.openxmlformats.org/drawingml/2006/main" xmlns:r="http://schemas.openxmlformats.org/officeDocument/2006/relationships" xmlns:p="http://schemas.openxmlformats.org/presentationml/2006/main">
+  <p:cSld>
+    <p:spTree>
+      <p:nvGrpSpPr>
+        <p:cNvPr id="1" name=""/>
+        <p:cNvGrpSpPr/>
+        <p:nvPr/>
+      </p:nvGrpSpPr>
+      <p:grpSpPr>
+        <a:xfrm>
+          <a:off x="0" y="0"/>
+          <a:ext cx="0" cy="0"/>
+          <a:chOff x="0" y="0"/>
+          <a:chExt cx="0" cy="0"/>
+        </a:xfrm>
+      </p:grpSpPr>
+      <p:sp>
+        <p:nvSpPr>
+          <p:cNvPr id="2" name="Titre 1">
+            <a:extLst>
+              <a:ext uri="{FF2B5EF4-FFF2-40B4-BE49-F238E27FC236}">
+                <a16:creationId xmlns:a16="http://schemas.microsoft.com/office/drawing/2014/main" id="{D2CAE1FF-DE09-497A-95FA-764F22A24347}"/>
+              </a:ext>
+            </a:extLst>
+          </p:cNvPr>
+          <p:cNvSpPr>
+            <a:spLocks noGrp="1"/>
+          </p:cNvSpPr>
+          <p:nvPr>
+            <p:ph type="title"/>
+          </p:nvPr>
+        </p:nvSpPr>
+        <p:spPr/>
+        <p:txBody>
+          <a:bodyPr/>
+          <a:lstStyle/>
+          <a:p>
+            <a:r>
+              <a:rPr lang="en-US" dirty="0"/>
+              <a:t>Attention Is All You Need</a:t>
+            </a:r>
+          </a:p>
+        </p:txBody>
+      </p:sp>
+      <p:sp>
+        <p:nvSpPr>
+          <p:cNvPr id="3" name="Espace réservé du texte 2">
+            <a:extLst>
+              <a:ext uri="{FF2B5EF4-FFF2-40B4-BE49-F238E27FC236}">
+                <a16:creationId xmlns:a16="http://schemas.microsoft.com/office/drawing/2014/main" id="{8615FDC7-616F-4AF2-BAB1-3FD738D7FD0D}"/>
+              </a:ext>
+            </a:extLst>
+          </p:cNvPr>
+          <p:cNvSpPr>
+            <a:spLocks noGrp="1"/>
+          </p:cNvSpPr>
+          <p:nvPr>
+            <p:ph type="body" sz="quarter" idx="10"/>
+          </p:nvPr>
+        </p:nvSpPr>
+        <p:spPr/>
+        <p:txBody>
+          <a:bodyPr/>
+          <a:lstStyle/>
+          <a:p>
+            <a:endParaRPr lang="en-US" dirty="0"/>
+          </a:p>
+        </p:txBody>
+      </p:sp>
+      <p:pic>
+        <p:nvPicPr>
+          <p:cNvPr id="2050" name="Picture 2" descr="Attention is all you need | Know Your Meme">
+            <a:extLst>
+              <a:ext uri="{FF2B5EF4-FFF2-40B4-BE49-F238E27FC236}">
+                <a16:creationId xmlns:a16="http://schemas.microsoft.com/office/drawing/2014/main" id="{4DA79636-4120-4A60-890D-26B3578F7B09}"/>
+              </a:ext>
+            </a:extLst>
+          </p:cNvPr>
+          <p:cNvPicPr>
+            <a:picLocks noChangeAspect="1" noChangeArrowheads="1"/>
+          </p:cNvPicPr>
+          <p:nvPr/>
+        </p:nvPicPr>
+        <p:blipFill>
+          <a:blip r:embed="rId2">
+            <a:extLst>
+              <a:ext uri="{28A0092B-C50C-407E-A947-70E740481C1C}">
+                <a14:useLocalDpi xmlns:a14="http://schemas.microsoft.com/office/drawing/2010/main" val="0"/>
+              </a:ext>
+            </a:extLst>
+          </a:blip>
+          <a:srcRect/>
+          <a:stretch>
+            <a:fillRect/>
+          </a:stretch>
+        </p:blipFill>
+        <p:spPr bwMode="auto">
+          <a:xfrm>
+            <a:off x="7277228" y="4087821"/>
+            <a:ext cx="4076572" cy="2350024"/>
+          </a:xfrm>
+          <a:prstGeom prst="rect">
+            <a:avLst/>
+          </a:prstGeom>
+          <a:noFill/>
+          <a:extLst>
+            <a:ext uri="{909E8E84-426E-40DD-AFC4-6F175D3DCCD1}">
+              <a14:hiddenFill xmlns:a14="http://schemas.microsoft.com/office/drawing/2010/main">
+                <a:solidFill>
+                  <a:srgbClr val="FFFFFF"/>
+                </a:solidFill>
+              </a14:hiddenFill>
+            </a:ext>
+          </a:extLst>
+        </p:spPr>
+      </p:pic>
+      <p:pic>
+        <p:nvPicPr>
+          <p:cNvPr id="7" name="Image 6">
+            <a:extLst>
+              <a:ext uri="{FF2B5EF4-FFF2-40B4-BE49-F238E27FC236}">
+                <a16:creationId xmlns:a16="http://schemas.microsoft.com/office/drawing/2014/main" id="{AE5A163E-DE96-4FC8-BEF9-DCCEF50585F4}"/>
+              </a:ext>
+            </a:extLst>
+          </p:cNvPr>
+          <p:cNvPicPr>
+            <a:picLocks noChangeAspect="1"/>
+          </p:cNvPicPr>
+          <p:nvPr/>
+        </p:nvPicPr>
+        <p:blipFill>
+          <a:blip r:embed="rId3"/>
+          <a:stretch>
+            <a:fillRect/>
+          </a:stretch>
+        </p:blipFill>
+        <p:spPr>
+          <a:xfrm>
+            <a:off x="1277539" y="1233578"/>
+            <a:ext cx="5320525" cy="1931321"/>
+          </a:xfrm>
+          <a:prstGeom prst="rect">
+            <a:avLst/>
+          </a:prstGeom>
+        </p:spPr>
+      </p:pic>
+      <p:pic>
+        <p:nvPicPr>
+          <p:cNvPr id="9" name="Image 8">
+            <a:extLst>
+              <a:ext uri="{FF2B5EF4-FFF2-40B4-BE49-F238E27FC236}">
+                <a16:creationId xmlns:a16="http://schemas.microsoft.com/office/drawing/2014/main" id="{540B6619-1B4A-49E9-A7FB-9F072F8C55A8}"/>
+              </a:ext>
+            </a:extLst>
+          </p:cNvPr>
+          <p:cNvPicPr>
+            <a:picLocks noChangeAspect="1"/>
+          </p:cNvPicPr>
+          <p:nvPr/>
+        </p:nvPicPr>
+        <p:blipFill>
+          <a:blip r:embed="rId4"/>
+          <a:stretch>
+            <a:fillRect/>
+          </a:stretch>
+        </p:blipFill>
+        <p:spPr>
+          <a:xfrm>
+            <a:off x="6598064" y="1173511"/>
+            <a:ext cx="4515480" cy="2724530"/>
+          </a:xfrm>
+          <a:prstGeom prst="rect">
+            <a:avLst/>
+          </a:prstGeom>
+        </p:spPr>
+      </p:pic>
+      <p:pic>
+        <p:nvPicPr>
+          <p:cNvPr id="2052" name="Picture 4" descr="Paper page - Pretraining on the Test Set Is All You Need">
+            <a:extLst>
+              <a:ext uri="{FF2B5EF4-FFF2-40B4-BE49-F238E27FC236}">
+                <a16:creationId xmlns:a16="http://schemas.microsoft.com/office/drawing/2014/main" id="{F41B086B-D704-4DC5-9AEF-F9917DCAF36A}"/>
+              </a:ext>
+            </a:extLst>
+          </p:cNvPr>
+          <p:cNvPicPr>
+            <a:picLocks noChangeAspect="1" noChangeArrowheads="1"/>
+          </p:cNvPicPr>
+          <p:nvPr/>
+        </p:nvPicPr>
+        <p:blipFill rotWithShape="1">
+          <a:blip r:embed="rId5">
+            <a:extLst>
+              <a:ext uri="{28A0092B-C50C-407E-A947-70E740481C1C}">
+                <a14:useLocalDpi xmlns:a14="http://schemas.microsoft.com/office/drawing/2010/main" val="0"/>
+              </a:ext>
+            </a:extLst>
+          </a:blip>
+          <a:srcRect l="12247" t="7785" r="10832" b="20264"/>
+          <a:stretch/>
+        </p:blipFill>
+        <p:spPr bwMode="auto">
+          <a:xfrm>
+            <a:off x="838200" y="3635765"/>
+            <a:ext cx="5313480" cy="2683921"/>
+          </a:xfrm>
+          <a:prstGeom prst="rect">
+            <a:avLst/>
+          </a:prstGeom>
+          <a:noFill/>
+          <a:extLst>
+            <a:ext uri="{909E8E84-426E-40DD-AFC4-6F175D3DCCD1}">
+              <a14:hiddenFill xmlns:a14="http://schemas.microsoft.com/office/drawing/2010/main">
+                <a:solidFill>
+                  <a:srgbClr val="FFFFFF"/>
+                </a:solidFill>
+              </a14:hiddenFill>
+            </a:ext>
+          </a:extLst>
+        </p:spPr>
+      </p:pic>
+    </p:spTree>
+    <p:extLst>
+      <p:ext uri="{BB962C8B-B14F-4D97-AF65-F5344CB8AC3E}">
+        <p14:creationId xmlns:p14="http://schemas.microsoft.com/office/powerpoint/2010/main" val="78153206"/>
+      </p:ext>
+    </p:extLst>
+  </p:cSld>
+  <p:clrMapOvr>
+    <a:masterClrMapping/>
+  </p:clrMapOvr>
+</p:sld>
+</file>
+
+<file path=ppt/slides/slide7.xml><?xml version="1.0" encoding="utf-8"?>
+<p:sld xmlns:a="http://schemas.openxmlformats.org/drawingml/2006/main" xmlns:r="http://schemas.openxmlformats.org/officeDocument/2006/relationships" xmlns:p="http://schemas.openxmlformats.org/presentationml/2006/main">
+  <p:cSld>
+    <p:spTree>
+      <p:nvGrpSpPr>
+        <p:cNvPr id="1" name=""/>
+        <p:cNvGrpSpPr/>
+        <p:nvPr/>
+      </p:nvGrpSpPr>
+      <p:grpSpPr>
+        <a:xfrm>
+          <a:off x="0" y="0"/>
+          <a:ext cx="0" cy="0"/>
+          <a:chOff x="0" y="0"/>
+          <a:chExt cx="0" cy="0"/>
+        </a:xfrm>
+      </p:grpSpPr>
+      <p:sp>
+        <p:nvSpPr>
+          <p:cNvPr id="2" name="Titre 1">
+            <a:extLst>
+              <a:ext uri="{FF2B5EF4-FFF2-40B4-BE49-F238E27FC236}">
+                <a16:creationId xmlns:a16="http://schemas.microsoft.com/office/drawing/2014/main" id="{4A80CEEE-2324-4E29-9F1F-6C507B12A795}"/>
+              </a:ext>
+            </a:extLst>
+          </p:cNvPr>
+          <p:cNvSpPr>
+            <a:spLocks noGrp="1"/>
+          </p:cNvSpPr>
+          <p:nvPr>
+            <p:ph type="title"/>
+          </p:nvPr>
+        </p:nvSpPr>
+        <p:spPr/>
+        <p:txBody>
+          <a:bodyPr/>
+          <a:lstStyle/>
+          <a:p>
+            <a:r>
+              <a:rPr lang="en-US" dirty="0"/>
+              <a:t>Reference(s)</a:t>
+            </a:r>
+          </a:p>
+        </p:txBody>
+      </p:sp>
+      <p:sp>
+        <p:nvSpPr>
+          <p:cNvPr id="3" name="Espace réservé du texte 2">
+            <a:extLst>
+              <a:ext uri="{FF2B5EF4-FFF2-40B4-BE49-F238E27FC236}">
+                <a16:creationId xmlns:a16="http://schemas.microsoft.com/office/drawing/2014/main" id="{09D8ACE7-E797-4525-82AC-3B0FFB4AD677}"/>
+              </a:ext>
+            </a:extLst>
+          </p:cNvPr>
+          <p:cNvSpPr>
+            <a:spLocks noGrp="1"/>
+          </p:cNvSpPr>
+          <p:nvPr>
+            <p:ph type="body" sz="quarter" idx="10"/>
+          </p:nvPr>
+        </p:nvSpPr>
+        <p:spPr/>
+        <p:txBody>
+          <a:bodyPr/>
+          <a:lstStyle/>
+          <a:p>
+            <a:pPr marL="0" indent="0" algn="ctr">
+              <a:buNone/>
+            </a:pPr>
+            <a:r>
+              <a:rPr lang="en-US" dirty="0">
+                <a:hlinkClick r:id="rId2"/>
+              </a:rPr>
+              <a:t>https://jaykmody.com/blog/gpt-from-scratch</a:t>
+            </a:r>
+            <a:r>
+              <a:rPr lang="en-US" dirty="0"/>
+              <a:t> </a:t>
+            </a:r>
+          </a:p>
+        </p:txBody>
+      </p:sp>
+      <p:pic>
+        <p:nvPicPr>
+          <p:cNvPr id="7" name="Image 6">
+            <a:extLst>
+              <a:ext uri="{FF2B5EF4-FFF2-40B4-BE49-F238E27FC236}">
+                <a16:creationId xmlns:a16="http://schemas.microsoft.com/office/drawing/2014/main" id="{F00684E0-3CD3-4ABF-9CA3-BE30F331E6C3}"/>
+              </a:ext>
+            </a:extLst>
+          </p:cNvPr>
+          <p:cNvPicPr>
+            <a:picLocks noChangeAspect="1"/>
+          </p:cNvPicPr>
+          <p:nvPr/>
+        </p:nvPicPr>
+        <p:blipFill>
+          <a:blip r:embed="rId3"/>
+          <a:stretch>
+            <a:fillRect/>
+          </a:stretch>
+        </p:blipFill>
+        <p:spPr>
+          <a:xfrm>
+            <a:off x="2599837" y="2379948"/>
+            <a:ext cx="6992326" cy="2762636"/>
+          </a:xfrm>
+          <a:prstGeom prst="rect">
+            <a:avLst/>
+          </a:prstGeom>
+        </p:spPr>
+      </p:pic>
+    </p:spTree>
+    <p:extLst>
+      <p:ext uri="{BB962C8B-B14F-4D97-AF65-F5344CB8AC3E}">
+        <p14:creationId xmlns:p14="http://schemas.microsoft.com/office/powerpoint/2010/main" val="3197142342"/>
+      </p:ext>
+    </p:extLst>
+  </p:cSld>
+  <p:clrMapOvr>
+    <a:masterClrMapping/>
+  </p:clrMapOvr>
+</p:sld>
+</file>
+
+<file path=ppt/slides/slide8.xml><?xml version="1.0" encoding="utf-8"?>
+<p:sld xmlns:a="http://schemas.openxmlformats.org/drawingml/2006/main" xmlns:r="http://schemas.openxmlformats.org/officeDocument/2006/relationships" xmlns:p="http://schemas.openxmlformats.org/presentationml/2006/main">
+  <p:cSld>
+    <p:spTree>
+      <p:nvGrpSpPr>
+        <p:cNvPr id="1" name=""/>
+        <p:cNvGrpSpPr/>
+        <p:nvPr/>
+      </p:nvGrpSpPr>
+      <p:grpSpPr>
+        <a:xfrm>
+          <a:off x="0" y="0"/>
+          <a:ext cx="0" cy="0"/>
+          <a:chOff x="0" y="0"/>
+          <a:chExt cx="0" cy="0"/>
+        </a:xfrm>
+      </p:grpSpPr>
+      <p:sp>
+        <p:nvSpPr>
+          <p:cNvPr id="2" name="Titre 1">
+            <a:extLst>
+              <a:ext uri="{FF2B5EF4-FFF2-40B4-BE49-F238E27FC236}">
+                <a16:creationId xmlns:a16="http://schemas.microsoft.com/office/drawing/2014/main" id="{53915AAB-32EC-4D2B-ABDD-67AAE0766A48}"/>
+              </a:ext>
+            </a:extLst>
+          </p:cNvPr>
+          <p:cNvSpPr>
+            <a:spLocks noGrp="1"/>
+          </p:cNvSpPr>
+          <p:nvPr>
+            <p:ph type="title"/>
+          </p:nvPr>
+        </p:nvSpPr>
+        <p:spPr/>
+        <p:txBody>
+          <a:bodyPr/>
+          <a:lstStyle/>
+          <a:p>
+            <a:r>
+              <a:rPr lang="en-US" dirty="0"/>
+              <a:t>GPT</a:t>
+            </a:r>
+          </a:p>
+        </p:txBody>
+      </p:sp>
+      <p:sp>
+        <p:nvSpPr>
+          <p:cNvPr id="3" name="Espace réservé du texte 2">
+            <a:extLst>
+              <a:ext uri="{FF2B5EF4-FFF2-40B4-BE49-F238E27FC236}">
+                <a16:creationId xmlns:a16="http://schemas.microsoft.com/office/drawing/2014/main" id="{C3872E15-97A6-44AE-A46D-80A0001FE2C1}"/>
+              </a:ext>
+            </a:extLst>
+          </p:cNvPr>
+          <p:cNvSpPr>
+            <a:spLocks noGrp="1"/>
+          </p:cNvSpPr>
+          <p:nvPr>
+            <p:ph type="body" sz="quarter" idx="10"/>
+          </p:nvPr>
+        </p:nvSpPr>
+        <p:spPr/>
+        <p:txBody>
+          <a:bodyPr/>
+          <a:lstStyle/>
+          <a:p>
+            <a:pPr algn="l">
+              <a:buFont typeface="Arial" panose="020B0604020202020204" pitchFamily="34" charset="0"/>
+              <a:buChar char="•"/>
+            </a:pPr>
+            <a:r>
+              <a:rPr lang="en-US" b="1" i="0" dirty="0">
+                <a:solidFill>
+                  <a:srgbClr val="2E3440"/>
+                </a:solidFill>
+                <a:effectLst/>
+                <a:latin typeface="-apple-system"/>
+              </a:rPr>
+              <a:t>Generative</a:t>
+            </a:r>
+            <a:r>
+              <a:rPr lang="en-US" b="0" i="0" dirty="0">
+                <a:solidFill>
+                  <a:srgbClr val="2E3440"/>
+                </a:solidFill>
+                <a:effectLst/>
+                <a:latin typeface="-apple-system"/>
+              </a:rPr>
+              <a:t>: A GPT </a:t>
+            </a:r>
+            <a:r>
+              <a:rPr lang="en-US" b="0" i="1" dirty="0">
+                <a:solidFill>
+                  <a:srgbClr val="2E3440"/>
+                </a:solidFill>
+                <a:effectLst/>
+                <a:latin typeface="-apple-system"/>
+              </a:rPr>
+              <a:t>generates</a:t>
+            </a:r>
+            <a:r>
+              <a:rPr lang="en-US" b="0" i="0" dirty="0">
+                <a:solidFill>
+                  <a:srgbClr val="2E3440"/>
+                </a:solidFill>
+                <a:effectLst/>
+                <a:latin typeface="-apple-system"/>
+              </a:rPr>
+              <a:t> text.</a:t>
+            </a:r>
+          </a:p>
+          <a:p>
+            <a:pPr algn="l">
+              <a:buFont typeface="Arial" panose="020B0604020202020204" pitchFamily="34" charset="0"/>
+              <a:buChar char="•"/>
+            </a:pPr>
+            <a:r>
+              <a:rPr lang="en-US" b="1" i="0" dirty="0">
+                <a:solidFill>
+                  <a:srgbClr val="2E3440"/>
+                </a:solidFill>
+                <a:effectLst/>
+                <a:latin typeface="-apple-system"/>
+              </a:rPr>
+              <a:t>Pre-trained</a:t>
+            </a:r>
+            <a:r>
+              <a:rPr lang="en-US" b="0" i="0" dirty="0">
+                <a:solidFill>
+                  <a:srgbClr val="2E3440"/>
+                </a:solidFill>
+                <a:effectLst/>
+                <a:latin typeface="-apple-system"/>
+              </a:rPr>
+              <a:t>: A GPT is </a:t>
+            </a:r>
+            <a:r>
+              <a:rPr lang="en-US" b="0" i="1" dirty="0">
+                <a:solidFill>
+                  <a:srgbClr val="2E3440"/>
+                </a:solidFill>
+                <a:effectLst/>
+                <a:latin typeface="-apple-system"/>
+              </a:rPr>
+              <a:t>trained</a:t>
+            </a:r>
+            <a:r>
+              <a:rPr lang="en-US" b="0" i="0" dirty="0">
+                <a:solidFill>
+                  <a:srgbClr val="2E3440"/>
+                </a:solidFill>
+                <a:effectLst/>
+                <a:latin typeface="-apple-system"/>
+              </a:rPr>
+              <a:t> on lots of text from books, the internet, </a:t>
+            </a:r>
+            <a:r>
+              <a:rPr lang="en-US" b="0" i="0" dirty="0" err="1">
+                <a:solidFill>
+                  <a:srgbClr val="2E3440"/>
+                </a:solidFill>
+                <a:effectLst/>
+                <a:latin typeface="-apple-system"/>
+              </a:rPr>
+              <a:t>etc</a:t>
+            </a:r>
+            <a:r>
+              <a:rPr lang="en-US" b="0" i="0" dirty="0">
+                <a:solidFill>
+                  <a:srgbClr val="2E3440"/>
+                </a:solidFill>
+                <a:effectLst/>
+                <a:latin typeface="-apple-system"/>
+              </a:rPr>
+              <a:t> ...</a:t>
+            </a:r>
+          </a:p>
+          <a:p>
+            <a:pPr algn="l">
+              <a:buFont typeface="Arial" panose="020B0604020202020204" pitchFamily="34" charset="0"/>
+              <a:buChar char="•"/>
+            </a:pPr>
+            <a:r>
+              <a:rPr lang="en-US" b="1" i="0" dirty="0">
+                <a:solidFill>
+                  <a:srgbClr val="2E3440"/>
+                </a:solidFill>
+                <a:effectLst/>
+                <a:latin typeface="-apple-system"/>
+              </a:rPr>
+              <a:t>Transformer</a:t>
+            </a:r>
+            <a:r>
+              <a:rPr lang="en-US" b="0" i="0" dirty="0">
+                <a:solidFill>
+                  <a:srgbClr val="2E3440"/>
+                </a:solidFill>
+                <a:effectLst/>
+                <a:latin typeface="-apple-system"/>
+              </a:rPr>
+              <a:t>: A GPT is a decoder-only </a:t>
+            </a:r>
+            <a:r>
+              <a:rPr lang="en-US" b="0" i="1" dirty="0">
+                <a:solidFill>
+                  <a:srgbClr val="2E3440"/>
+                </a:solidFill>
+                <a:effectLst/>
+                <a:latin typeface="-apple-system"/>
+              </a:rPr>
+              <a:t>transformer</a:t>
+            </a:r>
+            <a:r>
+              <a:rPr lang="en-US" b="0" i="0" dirty="0">
+                <a:solidFill>
+                  <a:srgbClr val="2E3440"/>
+                </a:solidFill>
+                <a:effectLst/>
+                <a:latin typeface="-apple-system"/>
+              </a:rPr>
+              <a:t> neural network.</a:t>
+            </a:r>
+          </a:p>
+        </p:txBody>
+      </p:sp>
+    </p:spTree>
+    <p:extLst>
+      <p:ext uri="{BB962C8B-B14F-4D97-AF65-F5344CB8AC3E}">
+        <p14:creationId xmlns:p14="http://schemas.microsoft.com/office/powerpoint/2010/main" val="1574720215"/>
+      </p:ext>
+    </p:extLst>
+  </p:cSld>
+  <p:clrMapOvr>
+    <a:masterClrMapping/>
+  </p:clrMapOvr>
+</p:sld>
+</file>
+
+<file path=ppt/slides/slide9.xml><?xml version="1.0" encoding="utf-8"?>
+<p:sld xmlns:a="http://schemas.openxmlformats.org/drawingml/2006/main" xmlns:r="http://schemas.openxmlformats.org/officeDocument/2006/relationships" xmlns:p="http://schemas.openxmlformats.org/presentationml/2006/main">
+  <p:cSld>
+    <p:spTree>
+      <p:nvGrpSpPr>
+        <p:cNvPr id="1" name=""/>
+        <p:cNvGrpSpPr/>
+        <p:nvPr/>
+      </p:nvGrpSpPr>
+      <p:grpSpPr>
+        <a:xfrm>
+          <a:off x="0" y="0"/>
+          <a:ext cx="0" cy="0"/>
+          <a:chOff x="0" y="0"/>
+          <a:chExt cx="0" cy="0"/>
+        </a:xfrm>
+      </p:grpSpPr>
+      <p:sp>
+        <p:nvSpPr>
+          <p:cNvPr id="2" name="Titre 1">
+            <a:extLst>
+              <a:ext uri="{FF2B5EF4-FFF2-40B4-BE49-F238E27FC236}">
+                <a16:creationId xmlns:a16="http://schemas.microsoft.com/office/drawing/2014/main" id="{43FC1C2C-1E47-481A-A67C-15074754AAE2}"/>
+              </a:ext>
+            </a:extLst>
+          </p:cNvPr>
+          <p:cNvSpPr>
+            <a:spLocks noGrp="1"/>
+          </p:cNvSpPr>
+          <p:nvPr>
+            <p:ph type="title"/>
+          </p:nvPr>
+        </p:nvSpPr>
+        <p:spPr/>
+        <p:txBody>
+          <a:bodyPr/>
+          <a:lstStyle/>
+          <a:p>
+            <a:r>
+              <a:rPr lang="en-US" dirty="0"/>
+              <a:t>Vocabulary</a:t>
+            </a:r>
+          </a:p>
+        </p:txBody>
+      </p:sp>
+      <p:sp>
+        <p:nvSpPr>
+          <p:cNvPr id="3" name="Espace réservé du texte 2">
+            <a:extLst>
+              <a:ext uri="{FF2B5EF4-FFF2-40B4-BE49-F238E27FC236}">
+                <a16:creationId xmlns:a16="http://schemas.microsoft.com/office/drawing/2014/main" id="{5B14E2DF-E80B-4711-9943-4B6D1D57CE52}"/>
+              </a:ext>
+            </a:extLst>
+          </p:cNvPr>
+          <p:cNvSpPr>
+            <a:spLocks noGrp="1"/>
+          </p:cNvSpPr>
+          <p:nvPr>
+            <p:ph type="body" sz="quarter" idx="10"/>
+          </p:nvPr>
+        </p:nvSpPr>
+        <p:spPr/>
+        <p:txBody>
+          <a:bodyPr>
+            <a:normAutofit/>
+          </a:bodyPr>
+          <a:lstStyle/>
+          <a:p>
             <a:r>
               <a:rPr lang="en-US" dirty="0"/>
               <a:t>Vocabulary: </a:t>
@@ -2465,12 +3334,37 @@
             </a:r>
           </a:p>
           <a:p>
-            <a:endParaRPr lang="en-US" dirty="0"/>
-          </a:p>
-          <a:p>
+            <a:pPr lvl="1"/>
             <a:r>
               <a:rPr lang="en-US" dirty="0"/>
-              <a:t>What is the vocabulary of a Transformer generating text?</a:t>
+              <a:t>Elements in the vocabulary are commonly called </a:t>
+            </a:r>
+            <a:r>
+              <a:rPr lang="en-US" b="1" dirty="0"/>
+              <a:t>tokens</a:t>
+            </a:r>
+          </a:p>
+          <a:p>
+            <a:endParaRPr lang="en-US" b="1" dirty="0"/>
+          </a:p>
+          <a:p>
+            <a:r>
+              <a:rPr lang="en-US" dirty="0"/>
+              <a:t>Basic Transformer idea</a:t>
+            </a:r>
+          </a:p>
+          <a:p>
+            <a:pPr lvl="1"/>
+            <a:r>
+              <a:rPr lang="en-US" dirty="0"/>
+              <a:t>Input: set of tokens</a:t>
+            </a:r>
+          </a:p>
+          <a:p>
+            <a:pPr lvl="1"/>
+            <a:r>
+              <a:rPr lang="en-US" dirty="0"/>
+              <a:t>Output: one (or more) token(s)</a:t>
             </a:r>
           </a:p>
         </p:txBody>

--- a/deep-learning-in-practice-with-pytorch/5-transformers.pptx
+++ b/deep-learning-in-practice-with-pytorch/5-transformers.pptx
@@ -2478,7 +2478,7 @@
           <a:bodyPr/>
           <a:lstStyle/>
           <a:p>
-            <a:endParaRPr lang="en-US"/>
+            <a:endParaRPr lang="en-US" dirty="0"/>
           </a:p>
         </p:txBody>
       </p:sp>
